--- a/VCarve Pro V11.0/EasyTools/EasyCabinetMaker/Documents/EasyCabinetMaker_Ver11.pptx
+++ b/VCarve Pro V11.0/EasyTools/EasyCabinetMaker/Documents/EasyCabinetMaker_Ver11.pptx
@@ -5,7 +5,7 @@
     <p:sldMasterId id="2147483702" r:id="rId1"/>
   </p:sldMasterIdLst>
   <p:notesMasterIdLst>
-    <p:notesMasterId r:id="rId19"/>
+    <p:notesMasterId r:id="rId20"/>
   </p:notesMasterIdLst>
   <p:sldIdLst>
     <p:sldId id="256" r:id="rId2"/>
@@ -17,14 +17,15 @@
     <p:sldId id="259" r:id="rId8"/>
     <p:sldId id="293" r:id="rId9"/>
     <p:sldId id="297" r:id="rId10"/>
-    <p:sldId id="271" r:id="rId11"/>
-    <p:sldId id="275" r:id="rId12"/>
-    <p:sldId id="264" r:id="rId13"/>
-    <p:sldId id="270" r:id="rId14"/>
-    <p:sldId id="281" r:id="rId15"/>
-    <p:sldId id="296" r:id="rId16"/>
-    <p:sldId id="295" r:id="rId17"/>
-    <p:sldId id="294" r:id="rId18"/>
+    <p:sldId id="298" r:id="rId11"/>
+    <p:sldId id="271" r:id="rId12"/>
+    <p:sldId id="275" r:id="rId13"/>
+    <p:sldId id="264" r:id="rId14"/>
+    <p:sldId id="270" r:id="rId15"/>
+    <p:sldId id="281" r:id="rId16"/>
+    <p:sldId id="296" r:id="rId17"/>
+    <p:sldId id="295" r:id="rId18"/>
+    <p:sldId id="294" r:id="rId19"/>
   </p:sldIdLst>
   <p:sldSz cx="12192000" cy="6858000"/>
   <p:notesSz cx="6858000" cy="9144000"/>
@@ -441,7 +442,7 @@
           <a:p>
             <a:fld id="{E3A507E0-C6EA-4F64-9B5B-46F164EEF2EE}" type="datetimeFigureOut">
               <a:rPr lang="en-US" smtClean="0"/>
-              <a:t>8/10/2021</a:t>
+              <a:t>11/19/2021</a:t>
             </a:fld>
             <a:endParaRPr lang="en-US"/>
           </a:p>
@@ -1039,7 +1040,7 @@
           <a:p>
             <a:fld id="{FB5D7195-9119-4780-A524-3083F1E1775D}" type="datetime1">
               <a:rPr lang="en-US" smtClean="0"/>
-              <a:t>8/10/2021</a:t>
+              <a:t>11/19/2021</a:t>
             </a:fld>
             <a:endParaRPr lang="en-US"/>
           </a:p>
@@ -1366,7 +1367,7 @@
           <a:p>
             <a:fld id="{1B1918E4-589D-479C-9916-A3DEAFCE3B2F}" type="datetime1">
               <a:rPr lang="en-US" smtClean="0"/>
-              <a:t>8/10/2021</a:t>
+              <a:t>11/19/2021</a:t>
             </a:fld>
             <a:endParaRPr lang="en-US"/>
           </a:p>
@@ -1617,7 +1618,7 @@
           <a:p>
             <a:fld id="{C3CD0DAC-6A56-4860-A00E-7E49DAE4D4E3}" type="datetime1">
               <a:rPr lang="en-US" smtClean="0"/>
-              <a:t>8/10/2021</a:t>
+              <a:t>11/19/2021</a:t>
             </a:fld>
             <a:endParaRPr lang="en-US"/>
           </a:p>
@@ -1959,7 +1960,7 @@
           <a:p>
             <a:fld id="{450C6126-A190-4C97-A0FA-215C1A85630D}" type="datetime1">
               <a:rPr lang="en-US" smtClean="0"/>
-              <a:t>8/10/2021</a:t>
+              <a:t>11/19/2021</a:t>
             </a:fld>
             <a:endParaRPr lang="en-US"/>
           </a:p>
@@ -2309,7 +2310,7 @@
           <a:p>
             <a:fld id="{269BE6E4-385E-4A15-A04C-2BDB04C53CD0}" type="datetime1">
               <a:rPr lang="en-US" smtClean="0"/>
-              <a:t>8/10/2021</a:t>
+              <a:t>11/19/2021</a:t>
             </a:fld>
             <a:endParaRPr lang="en-US"/>
           </a:p>
@@ -2686,7 +2687,7 @@
           <a:p>
             <a:fld id="{092BC9F2-F63F-47B1-AB3B-BDEE2CD6A70E}" type="datetime1">
               <a:rPr lang="en-US" smtClean="0"/>
-              <a:t>8/10/2021</a:t>
+              <a:t>11/19/2021</a:t>
             </a:fld>
             <a:endParaRPr lang="en-US"/>
           </a:p>
@@ -3159,7 +3160,7 @@
           <a:p>
             <a:fld id="{A8B8D1E2-F233-4A6A-9B14-3FEF6F6F6F47}" type="datetime1">
               <a:rPr lang="en-US" smtClean="0"/>
-              <a:t>8/10/2021</a:t>
+              <a:t>11/19/2021</a:t>
             </a:fld>
             <a:endParaRPr lang="en-US"/>
           </a:p>
@@ -3367,7 +3368,7 @@
           <a:p>
             <a:fld id="{6D48BF9B-1114-41BC-92CA-0564D149D720}" type="datetime1">
               <a:rPr lang="en-US" smtClean="0"/>
-              <a:t>8/10/2021</a:t>
+              <a:t>11/19/2021</a:t>
             </a:fld>
             <a:endParaRPr lang="en-US"/>
           </a:p>
@@ -3581,7 +3582,7 @@
           <a:p>
             <a:fld id="{D45860E7-D97F-4B6C-9DF6-1AA6730DE341}" type="datetime1">
               <a:rPr lang="en-US" smtClean="0"/>
-              <a:t>8/10/2021</a:t>
+              <a:t>11/19/2021</a:t>
             </a:fld>
             <a:endParaRPr lang="en-US"/>
           </a:p>
@@ -3816,7 +3817,7 @@
           <a:p>
             <a:fld id="{C83A600E-8DAC-4FDE-928F-0A59E28D9679}" type="datetime1">
               <a:rPr lang="en-US" smtClean="0"/>
-              <a:t>8/10/2021</a:t>
+              <a:t>11/19/2021</a:t>
             </a:fld>
             <a:endParaRPr lang="en-US"/>
           </a:p>
@@ -4067,7 +4068,7 @@
           <a:p>
             <a:fld id="{6DE1A50F-9A3F-45DF-9B5F-F7726EE49CEA}" type="datetime1">
               <a:rPr lang="en-US" smtClean="0"/>
-              <a:t>8/10/2021</a:t>
+              <a:t>11/19/2021</a:t>
             </a:fld>
             <a:endParaRPr lang="en-US"/>
           </a:p>
@@ -4368,7 +4369,7 @@
           <a:p>
             <a:fld id="{3A486541-DB8D-468B-8992-26DA5D49369A}" type="datetime1">
               <a:rPr lang="en-US" smtClean="0"/>
-              <a:t>8/10/2021</a:t>
+              <a:t>11/19/2021</a:t>
             </a:fld>
             <a:endParaRPr lang="en-US"/>
           </a:p>
@@ -4765,7 +4766,7 @@
           <a:p>
             <a:fld id="{FC75E196-2D8D-4260-BFEE-137AD4DB4DBD}" type="datetime1">
               <a:rPr lang="en-US" smtClean="0"/>
-              <a:t>8/10/2021</a:t>
+              <a:t>11/19/2021</a:t>
             </a:fld>
             <a:endParaRPr lang="en-US"/>
           </a:p>
@@ -4917,7 +4918,7 @@
           <a:p>
             <a:fld id="{A0D409A1-7271-4426-8A2D-24AF8570E9E8}" type="datetime1">
               <a:rPr lang="en-US" smtClean="0"/>
-              <a:t>8/10/2021</a:t>
+              <a:t>11/19/2021</a:t>
             </a:fld>
             <a:endParaRPr lang="en-US"/>
           </a:p>
@@ -5046,7 +5047,7 @@
           <a:p>
             <a:fld id="{AF4FB421-BC3D-4EDE-A192-A6101460BE25}" type="datetime1">
               <a:rPr lang="en-US" smtClean="0"/>
-              <a:t>8/10/2021</a:t>
+              <a:t>11/19/2021</a:t>
             </a:fld>
             <a:endParaRPr lang="en-US"/>
           </a:p>
@@ -5304,7 +5305,7 @@
           <a:p>
             <a:fld id="{A21B5018-B283-46B4-B01E-5874714D662F}" type="datetime1">
               <a:rPr lang="en-US" smtClean="0"/>
-              <a:t>8/10/2021</a:t>
+              <a:t>11/19/2021</a:t>
             </a:fld>
             <a:endParaRPr lang="en-US"/>
           </a:p>
@@ -5622,7 +5623,7 @@
           <a:p>
             <a:fld id="{3BC099E1-C667-4C53-B9CB-8728C735E9B7}" type="datetime1">
               <a:rPr lang="en-US" smtClean="0"/>
-              <a:t>8/10/2021</a:t>
+              <a:t>11/19/2021</a:t>
             </a:fld>
             <a:endParaRPr lang="en-US"/>
           </a:p>
@@ -5976,7 +5977,7 @@
           <a:p>
             <a:fld id="{5DF0DB72-3581-4DC7-AB46-B1B930AA297D}" type="datetime1">
               <a:rPr lang="en-US" smtClean="0"/>
-              <a:t>8/10/2021</a:t>
+              <a:t>11/19/2021</a:t>
             </a:fld>
             <a:endParaRPr lang="en-US"/>
           </a:p>
@@ -6665,10 +6666,10 @@
       </p:grpSpPr>
       <p:pic>
         <p:nvPicPr>
-          <p:cNvPr id="8" name="Picture 7" descr="Table&#10;&#10;Description automatically generated">
+          <p:cNvPr id="10" name="Picture 9" descr="Background pattern&#10;&#10;Description automatically generated">
             <a:extLst>
               <a:ext uri="{FF2B5EF4-FFF2-40B4-BE49-F238E27FC236}">
-                <a16:creationId xmlns:a16="http://schemas.microsoft.com/office/drawing/2014/main" id="{1CCE9AF3-CE32-4937-99A7-5DA030916F9C}"/>
+                <a16:creationId xmlns:a16="http://schemas.microsoft.com/office/drawing/2014/main" id="{F64DECE5-49F8-4594-890D-FFEFFEA7F65C}"/>
               </a:ext>
             </a:extLst>
           </p:cNvPr>
@@ -6691,22 +6692,48 @@
         </p:blipFill>
         <p:spPr>
           <a:xfrm>
-            <a:off x="2481718" y="607762"/>
-            <a:ext cx="7872183" cy="5242761"/>
+            <a:off x="2064520" y="4438647"/>
+            <a:ext cx="6769448" cy="1454225"/>
           </a:xfrm>
           <a:prstGeom prst="rect">
             <a:avLst/>
           </a:prstGeom>
-          <a:ln>
-            <a:noFill/>
-          </a:ln>
-          <a:effectLst>
-            <a:outerShdw blurRad="292100" dist="139700" dir="2700000" algn="tl" rotWithShape="0">
-              <a:srgbClr val="333333">
-                <a:alpha val="65000"/>
-              </a:srgbClr>
-            </a:outerShdw>
-          </a:effectLst>
+        </p:spPr>
+      </p:pic>
+      <p:pic>
+        <p:nvPicPr>
+          <p:cNvPr id="6" name="Picture 5" descr="A picture containing text&#10;&#10;Description automatically generated">
+            <a:extLst>
+              <a:ext uri="{FF2B5EF4-FFF2-40B4-BE49-F238E27FC236}">
+                <a16:creationId xmlns:a16="http://schemas.microsoft.com/office/drawing/2014/main" id="{B47E52C4-2585-4A87-8488-B67B9C5E831F}"/>
+              </a:ext>
+            </a:extLst>
+          </p:cNvPr>
+          <p:cNvPicPr>
+            <a:picLocks noChangeAspect="1"/>
+          </p:cNvPicPr>
+          <p:nvPr/>
+        </p:nvPicPr>
+        <p:blipFill>
+          <a:blip r:embed="rId3">
+            <a:extLst>
+              <a:ext uri="{28A0092B-C50C-407E-A947-70E740481C1C}">
+                <a14:useLocalDpi xmlns:a14="http://schemas.microsoft.com/office/drawing/2010/main" val="0"/>
+              </a:ext>
+            </a:extLst>
+          </a:blip>
+          <a:stretch>
+            <a:fillRect/>
+          </a:stretch>
+        </p:blipFill>
+        <p:spPr>
+          <a:xfrm>
+            <a:off x="2064520" y="3118701"/>
+            <a:ext cx="3740342" cy="1130358"/>
+          </a:xfrm>
+          <a:prstGeom prst="rect">
+            <a:avLst/>
+          </a:prstGeom>
         </p:spPr>
       </p:pic>
       <p:sp>
@@ -6740,7 +6767,7 @@
             <a:pPr algn="l"/>
             <a:r>
               <a:rPr lang="en-US" dirty="0"/>
-              <a:t>Registry Data</a:t>
+              <a:t>Import &amp; Export Settings Menus</a:t>
             </a:r>
           </a:p>
         </p:txBody>
@@ -6805,10 +6832,10 @@
       </p:sp>
       <p:sp>
         <p:nvSpPr>
-          <p:cNvPr id="7" name="Speech Bubble: Rectangle 6">
+          <p:cNvPr id="8" name="Speech Bubble: Rectangle 7">
             <a:extLst>
               <a:ext uri="{FF2B5EF4-FFF2-40B4-BE49-F238E27FC236}">
-                <a16:creationId xmlns:a16="http://schemas.microsoft.com/office/drawing/2014/main" id="{5B9D5FAD-1580-4166-8755-8F4145E32D92}"/>
+                <a16:creationId xmlns:a16="http://schemas.microsoft.com/office/drawing/2014/main" id="{C10751FA-B174-47DA-9A15-8C9B7EA7E57C}"/>
               </a:ext>
             </a:extLst>
           </p:cNvPr>
@@ -6817,13 +6844,13 @@
         </p:nvSpPr>
         <p:spPr>
           <a:xfrm>
-            <a:off x="176965" y="1720349"/>
-            <a:ext cx="2100262" cy="1378285"/>
+            <a:off x="7185080" y="2737336"/>
+            <a:ext cx="2024428" cy="839744"/>
           </a:xfrm>
           <a:prstGeom prst="wedgeRectCallout">
             <a:avLst>
-              <a:gd name="adj1" fmla="val 96661"/>
-              <a:gd name="adj2" fmla="val 22505"/>
+              <a:gd name="adj1" fmla="val -127721"/>
+              <a:gd name="adj2" fmla="val 126806"/>
             </a:avLst>
           </a:prstGeom>
         </p:spPr>
@@ -6847,18 +6874,174 @@
           <a:bodyPr rtlCol="0" anchor="ctr"/>
           <a:lstStyle/>
           <a:p>
+            <a:pPr algn="ctr"/>
             <a:r>
               <a:rPr lang="en-US" sz="1600" b="1" dirty="0"/>
-              <a:t>All data is stored in the system registry and can be accessed using the Microsoft Regedit tool</a:t>
+              <a:t>Enter File name for Cabinet Export Settings</a:t>
             </a:r>
             <a:endParaRPr lang="en-US" sz="1600" dirty="0"/>
+          </a:p>
+        </p:txBody>
+      </p:sp>
+      <p:sp>
+        <p:nvSpPr>
+          <p:cNvPr id="11" name="Speech Bubble: Rectangle 10">
+            <a:extLst>
+              <a:ext uri="{FF2B5EF4-FFF2-40B4-BE49-F238E27FC236}">
+                <a16:creationId xmlns:a16="http://schemas.microsoft.com/office/drawing/2014/main" id="{6C114175-AE2D-42C3-A834-2223553E8731}"/>
+              </a:ext>
+            </a:extLst>
+          </p:cNvPr>
+          <p:cNvSpPr/>
+          <p:nvPr/>
+        </p:nvSpPr>
+        <p:spPr>
+          <a:xfrm>
+            <a:off x="9039610" y="3706328"/>
+            <a:ext cx="2024428" cy="839744"/>
+          </a:xfrm>
+          <a:prstGeom prst="wedgeRectCallout">
+            <a:avLst>
+              <a:gd name="adj1" fmla="val -66128"/>
+              <a:gd name="adj2" fmla="val 117849"/>
+            </a:avLst>
+          </a:prstGeom>
+        </p:spPr>
+        <p:style>
+          <a:lnRef idx="2">
+            <a:schemeClr val="accent1">
+              <a:shade val="50000"/>
+            </a:schemeClr>
+          </a:lnRef>
+          <a:fillRef idx="1">
+            <a:schemeClr val="accent1"/>
+          </a:fillRef>
+          <a:effectRef idx="0">
+            <a:schemeClr val="accent1"/>
+          </a:effectRef>
+          <a:fontRef idx="minor">
+            <a:schemeClr val="lt1"/>
+          </a:fontRef>
+        </p:style>
+        <p:txBody>
+          <a:bodyPr rtlCol="0" anchor="ctr"/>
+          <a:lstStyle/>
+          <a:p>
+            <a:pPr algn="ctr"/>
+            <a:r>
+              <a:rPr lang="en-US" sz="1600" b="1" dirty="0"/>
+              <a:t>Select File Cabinet  Settings Import</a:t>
+            </a:r>
+            <a:endParaRPr lang="en-US" sz="1600" dirty="0"/>
+          </a:p>
+        </p:txBody>
+      </p:sp>
+      <p:sp>
+        <p:nvSpPr>
+          <p:cNvPr id="12" name="Rectangle 11">
+            <a:extLst>
+              <a:ext uri="{FF2B5EF4-FFF2-40B4-BE49-F238E27FC236}">
+                <a16:creationId xmlns:a16="http://schemas.microsoft.com/office/drawing/2014/main" id="{C2803211-AA7E-4253-A60A-22000C4ED4E7}"/>
+              </a:ext>
+            </a:extLst>
+          </p:cNvPr>
+          <p:cNvSpPr/>
+          <p:nvPr/>
+        </p:nvSpPr>
+        <p:spPr>
+          <a:xfrm>
+            <a:off x="1295401" y="847726"/>
+            <a:ext cx="9957317" cy="1614426"/>
+          </a:xfrm>
+          <a:prstGeom prst="rect">
+            <a:avLst/>
+          </a:prstGeom>
+        </p:spPr>
+        <p:style>
+          <a:lnRef idx="2">
+            <a:schemeClr val="accent1">
+              <a:shade val="50000"/>
+            </a:schemeClr>
+          </a:lnRef>
+          <a:fillRef idx="1">
+            <a:schemeClr val="accent1"/>
+          </a:fillRef>
+          <a:effectRef idx="0">
+            <a:schemeClr val="accent1"/>
+          </a:effectRef>
+          <a:fontRef idx="minor">
+            <a:schemeClr val="lt1"/>
+          </a:fontRef>
+        </p:style>
+        <p:txBody>
+          <a:bodyPr rtlCol="0" anchor="ctr"/>
+          <a:lstStyle/>
+          <a:p>
+            <a:pPr algn="ctr"/>
+            <a:endParaRPr lang="en-US"/>
+          </a:p>
+        </p:txBody>
+      </p:sp>
+      <p:sp>
+        <p:nvSpPr>
+          <p:cNvPr id="13" name="TextBox 12">
+            <a:extLst>
+              <a:ext uri="{FF2B5EF4-FFF2-40B4-BE49-F238E27FC236}">
+                <a16:creationId xmlns:a16="http://schemas.microsoft.com/office/drawing/2014/main" id="{2E847EAF-18D3-4F63-8FD1-943A3BDA6E10}"/>
+              </a:ext>
+            </a:extLst>
+          </p:cNvPr>
+          <p:cNvSpPr txBox="1"/>
+          <p:nvPr/>
+        </p:nvSpPr>
+        <p:spPr>
+          <a:xfrm>
+            <a:off x="1333995" y="878774"/>
+            <a:ext cx="9730043" cy="1477328"/>
+          </a:xfrm>
+          <a:prstGeom prst="rect">
+            <a:avLst/>
+          </a:prstGeom>
+          <a:noFill/>
+        </p:spPr>
+        <p:txBody>
+          <a:bodyPr wrap="square" rtlCol="0">
+            <a:spAutoFit/>
+          </a:bodyPr>
+          <a:lstStyle/>
+          <a:p>
+            <a:r>
+              <a:rPr lang="en-US" dirty="0">
+                <a:solidFill>
+                  <a:schemeClr val="bg1"/>
+                </a:solidFill>
+              </a:rPr>
+              <a:t>The Import &amp; Export function can allow the user to save all of the cabinet settings to a file and be recalled as needed.</a:t>
+            </a:r>
+          </a:p>
+          <a:p>
+            <a:endParaRPr lang="en-US" dirty="0">
+              <a:solidFill>
+                <a:schemeClr val="bg1"/>
+              </a:solidFill>
+            </a:endParaRPr>
+          </a:p>
+          <a:p>
+            <a:r>
+              <a:rPr lang="en-US" dirty="0">
+                <a:solidFill>
+                  <a:schemeClr val="bg1"/>
+                </a:solidFill>
+              </a:rPr>
+              <a:t>The system will automatically append “-YYYYMMDDHHMM” to the file name to ensure the export name is unique.</a:t>
+            </a:r>
           </a:p>
         </p:txBody>
       </p:sp>
     </p:spTree>
     <p:extLst>
       <p:ext uri="{BB962C8B-B14F-4D97-AF65-F5344CB8AC3E}">
-        <p14:creationId xmlns:p14="http://schemas.microsoft.com/office/powerpoint/2010/main" val="1336237641"/>
+        <p14:creationId xmlns:p14="http://schemas.microsoft.com/office/powerpoint/2010/main" val="2405043754"/>
       </p:ext>
     </p:extLst>
   </p:cSld>
@@ -6885,106 +7068,12 @@
           <a:chExt cx="0" cy="0"/>
         </a:xfrm>
       </p:grpSpPr>
-      <p:sp>
-        <p:nvSpPr>
-          <p:cNvPr id="2" name="Title 1">
-            <a:extLst>
-              <a:ext uri="{FF2B5EF4-FFF2-40B4-BE49-F238E27FC236}">
-                <a16:creationId xmlns:a16="http://schemas.microsoft.com/office/drawing/2014/main" id="{8D588E9A-A15F-4D3C-A765-1DEFCD9AFDB1}"/>
-              </a:ext>
-            </a:extLst>
-          </p:cNvPr>
-          <p:cNvSpPr>
-            <a:spLocks noGrp="1"/>
-          </p:cNvSpPr>
-          <p:nvPr>
-            <p:ph type="title"/>
-          </p:nvPr>
-        </p:nvSpPr>
-        <p:spPr>
-          <a:xfrm>
-            <a:off x="0" y="1"/>
-            <a:ext cx="10515600" cy="489284"/>
-          </a:xfrm>
-        </p:spPr>
-        <p:txBody>
-          <a:bodyPr>
-            <a:normAutofit fontScale="90000"/>
-          </a:bodyPr>
-          <a:lstStyle/>
-          <a:p>
-            <a:pPr algn="l"/>
-            <a:r>
-              <a:rPr lang="en-US" dirty="0"/>
-              <a:t>Tool Selection for Part Profile</a:t>
-            </a:r>
-          </a:p>
-        </p:txBody>
-      </p:sp>
-      <p:sp>
-        <p:nvSpPr>
-          <p:cNvPr id="4" name="Footer Placeholder 3">
-            <a:extLst>
-              <a:ext uri="{FF2B5EF4-FFF2-40B4-BE49-F238E27FC236}">
-                <a16:creationId xmlns:a16="http://schemas.microsoft.com/office/drawing/2014/main" id="{872E140C-9B3D-4B52-9AB6-68148DD4C9C2}"/>
-              </a:ext>
-            </a:extLst>
-          </p:cNvPr>
-          <p:cNvSpPr>
-            <a:spLocks noGrp="1"/>
-          </p:cNvSpPr>
-          <p:nvPr>
-            <p:ph type="ftr" sz="quarter" idx="11"/>
-          </p:nvPr>
-        </p:nvSpPr>
-        <p:spPr/>
-        <p:txBody>
-          <a:bodyPr/>
-          <a:lstStyle/>
-          <a:p>
-            <a:r>
-              <a:rPr lang="en-US"/>
-              <a:t>Easy Cabinet Maker</a:t>
-            </a:r>
-            <a:endParaRPr lang="en-US" dirty="0"/>
-          </a:p>
-        </p:txBody>
-      </p:sp>
-      <p:sp>
-        <p:nvSpPr>
-          <p:cNvPr id="5" name="Slide Number Placeholder 4">
-            <a:extLst>
-              <a:ext uri="{FF2B5EF4-FFF2-40B4-BE49-F238E27FC236}">
-                <a16:creationId xmlns:a16="http://schemas.microsoft.com/office/drawing/2014/main" id="{44BC5CD6-ED68-416F-8458-7D6DC6F6BAD6}"/>
-              </a:ext>
-            </a:extLst>
-          </p:cNvPr>
-          <p:cNvSpPr>
-            <a:spLocks noGrp="1"/>
-          </p:cNvSpPr>
-          <p:nvPr>
-            <p:ph type="sldNum" sz="quarter" idx="12"/>
-          </p:nvPr>
-        </p:nvSpPr>
-        <p:spPr/>
-        <p:txBody>
-          <a:bodyPr/>
-          <a:lstStyle/>
-          <a:p>
-            <a:fld id="{7C986B70-C399-481B-8E1B-1D91C2195225}" type="slidenum">
-              <a:rPr lang="en-US" smtClean="0"/>
-              <a:t>11</a:t>
-            </a:fld>
-            <a:endParaRPr lang="en-US"/>
-          </a:p>
-        </p:txBody>
-      </p:sp>
       <p:pic>
         <p:nvPicPr>
-          <p:cNvPr id="6" name="Picture 5" descr="Graphical user interface&#10;&#10;Description automatically generated">
+          <p:cNvPr id="8" name="Picture 7" descr="Table&#10;&#10;Description automatically generated">
             <a:extLst>
               <a:ext uri="{FF2B5EF4-FFF2-40B4-BE49-F238E27FC236}">
-                <a16:creationId xmlns:a16="http://schemas.microsoft.com/office/drawing/2014/main" id="{1B7D04C8-8AB7-4303-ADF7-DCE7C262A408}"/>
+                <a16:creationId xmlns:a16="http://schemas.microsoft.com/office/drawing/2014/main" id="{1CCE9AF3-CE32-4937-99A7-5DA030916F9C}"/>
               </a:ext>
             </a:extLst>
           </p:cNvPr>
@@ -7007,8 +7096,8 @@
         </p:blipFill>
         <p:spPr>
           <a:xfrm>
-            <a:off x="2296727" y="609601"/>
-            <a:ext cx="7327801" cy="5638800"/>
+            <a:off x="2481718" y="607762"/>
+            <a:ext cx="7872183" cy="5242761"/>
           </a:xfrm>
           <a:prstGeom prst="rect">
             <a:avLst/>
@@ -7025,10 +7114,156 @@
           </a:effectLst>
         </p:spPr>
       </p:pic>
+      <p:sp>
+        <p:nvSpPr>
+          <p:cNvPr id="2" name="Title 1">
+            <a:extLst>
+              <a:ext uri="{FF2B5EF4-FFF2-40B4-BE49-F238E27FC236}">
+                <a16:creationId xmlns:a16="http://schemas.microsoft.com/office/drawing/2014/main" id="{8D588E9A-A15F-4D3C-A765-1DEFCD9AFDB1}"/>
+              </a:ext>
+            </a:extLst>
+          </p:cNvPr>
+          <p:cNvSpPr>
+            <a:spLocks noGrp="1"/>
+          </p:cNvSpPr>
+          <p:nvPr>
+            <p:ph type="title"/>
+          </p:nvPr>
+        </p:nvSpPr>
+        <p:spPr>
+          <a:xfrm>
+            <a:off x="0" y="1"/>
+            <a:ext cx="10515600" cy="489284"/>
+          </a:xfrm>
+        </p:spPr>
+        <p:txBody>
+          <a:bodyPr>
+            <a:normAutofit fontScale="90000"/>
+          </a:bodyPr>
+          <a:lstStyle/>
+          <a:p>
+            <a:pPr algn="l"/>
+            <a:r>
+              <a:rPr lang="en-US" dirty="0"/>
+              <a:t>Registry Data</a:t>
+            </a:r>
+          </a:p>
+        </p:txBody>
+      </p:sp>
+      <p:sp>
+        <p:nvSpPr>
+          <p:cNvPr id="4" name="Footer Placeholder 3">
+            <a:extLst>
+              <a:ext uri="{FF2B5EF4-FFF2-40B4-BE49-F238E27FC236}">
+                <a16:creationId xmlns:a16="http://schemas.microsoft.com/office/drawing/2014/main" id="{872E140C-9B3D-4B52-9AB6-68148DD4C9C2}"/>
+              </a:ext>
+            </a:extLst>
+          </p:cNvPr>
+          <p:cNvSpPr>
+            <a:spLocks noGrp="1"/>
+          </p:cNvSpPr>
+          <p:nvPr>
+            <p:ph type="ftr" sz="quarter" idx="11"/>
+          </p:nvPr>
+        </p:nvSpPr>
+        <p:spPr/>
+        <p:txBody>
+          <a:bodyPr/>
+          <a:lstStyle/>
+          <a:p>
+            <a:r>
+              <a:rPr lang="en-US"/>
+              <a:t>Easy Cabinet Maker</a:t>
+            </a:r>
+            <a:endParaRPr lang="en-US" dirty="0"/>
+          </a:p>
+        </p:txBody>
+      </p:sp>
+      <p:sp>
+        <p:nvSpPr>
+          <p:cNvPr id="5" name="Slide Number Placeholder 4">
+            <a:extLst>
+              <a:ext uri="{FF2B5EF4-FFF2-40B4-BE49-F238E27FC236}">
+                <a16:creationId xmlns:a16="http://schemas.microsoft.com/office/drawing/2014/main" id="{44BC5CD6-ED68-416F-8458-7D6DC6F6BAD6}"/>
+              </a:ext>
+            </a:extLst>
+          </p:cNvPr>
+          <p:cNvSpPr>
+            <a:spLocks noGrp="1"/>
+          </p:cNvSpPr>
+          <p:nvPr>
+            <p:ph type="sldNum" sz="quarter" idx="12"/>
+          </p:nvPr>
+        </p:nvSpPr>
+        <p:spPr/>
+        <p:txBody>
+          <a:bodyPr/>
+          <a:lstStyle/>
+          <a:p>
+            <a:fld id="{7C986B70-C399-481B-8E1B-1D91C2195225}" type="slidenum">
+              <a:rPr lang="en-US" smtClean="0"/>
+              <a:t>11</a:t>
+            </a:fld>
+            <a:endParaRPr lang="en-US"/>
+          </a:p>
+        </p:txBody>
+      </p:sp>
+      <p:sp>
+        <p:nvSpPr>
+          <p:cNvPr id="7" name="Speech Bubble: Rectangle 6">
+            <a:extLst>
+              <a:ext uri="{FF2B5EF4-FFF2-40B4-BE49-F238E27FC236}">
+                <a16:creationId xmlns:a16="http://schemas.microsoft.com/office/drawing/2014/main" id="{5B9D5FAD-1580-4166-8755-8F4145E32D92}"/>
+              </a:ext>
+            </a:extLst>
+          </p:cNvPr>
+          <p:cNvSpPr/>
+          <p:nvPr/>
+        </p:nvSpPr>
+        <p:spPr>
+          <a:xfrm>
+            <a:off x="176965" y="1720349"/>
+            <a:ext cx="2100262" cy="1378285"/>
+          </a:xfrm>
+          <a:prstGeom prst="wedgeRectCallout">
+            <a:avLst>
+              <a:gd name="adj1" fmla="val 96661"/>
+              <a:gd name="adj2" fmla="val 22505"/>
+            </a:avLst>
+          </a:prstGeom>
+        </p:spPr>
+        <p:style>
+          <a:lnRef idx="2">
+            <a:schemeClr val="accent1">
+              <a:shade val="50000"/>
+            </a:schemeClr>
+          </a:lnRef>
+          <a:fillRef idx="1">
+            <a:schemeClr val="accent1"/>
+          </a:fillRef>
+          <a:effectRef idx="0">
+            <a:schemeClr val="accent1"/>
+          </a:effectRef>
+          <a:fontRef idx="minor">
+            <a:schemeClr val="lt1"/>
+          </a:fontRef>
+        </p:style>
+        <p:txBody>
+          <a:bodyPr rtlCol="0" anchor="ctr"/>
+          <a:lstStyle/>
+          <a:p>
+            <a:r>
+              <a:rPr lang="en-US" sz="1600" b="1" dirty="0"/>
+              <a:t>All data is stored in the system registry and can be accessed using the Microsoft Regedit tool</a:t>
+            </a:r>
+            <a:endParaRPr lang="en-US" sz="1600" dirty="0"/>
+          </a:p>
+        </p:txBody>
+      </p:sp>
     </p:spTree>
     <p:extLst>
       <p:ext uri="{BB962C8B-B14F-4D97-AF65-F5344CB8AC3E}">
-        <p14:creationId xmlns:p14="http://schemas.microsoft.com/office/powerpoint/2010/main" val="488133673"/>
+        <p14:creationId xmlns:p14="http://schemas.microsoft.com/office/powerpoint/2010/main" val="1336237641"/>
       </p:ext>
     </p:extLst>
   </p:cSld>
@@ -7074,7 +7309,7 @@
         <p:spPr>
           <a:xfrm>
             <a:off x="0" y="1"/>
-            <a:ext cx="10515600" cy="505326"/>
+            <a:ext cx="10515600" cy="489284"/>
           </a:xfrm>
         </p:spPr>
         <p:txBody>
@@ -7086,7 +7321,7 @@
             <a:pPr algn="l"/>
             <a:r>
               <a:rPr lang="en-US" dirty="0"/>
-              <a:t>Layers and Toolpaths</a:t>
+              <a:t>Tool Selection for Part Profile</a:t>
             </a:r>
           </a:p>
         </p:txBody>
@@ -7151,10 +7386,10 @@
       </p:sp>
       <p:pic>
         <p:nvPicPr>
-          <p:cNvPr id="7" name="Picture 6" descr="Diagram, engineering drawing&#10;&#10;Description automatically generated">
+          <p:cNvPr id="6" name="Picture 5" descr="Graphical user interface&#10;&#10;Description automatically generated">
             <a:extLst>
               <a:ext uri="{FF2B5EF4-FFF2-40B4-BE49-F238E27FC236}">
-                <a16:creationId xmlns:a16="http://schemas.microsoft.com/office/drawing/2014/main" id="{EBE04B8C-F08B-4041-A05E-6D1748B469CA}"/>
+                <a16:creationId xmlns:a16="http://schemas.microsoft.com/office/drawing/2014/main" id="{1B7D04C8-8AB7-4303-ADF7-DCE7C262A408}"/>
               </a:ext>
             </a:extLst>
           </p:cNvPr>
@@ -7163,7 +7398,7 @@
           </p:cNvPicPr>
           <p:nvPr/>
         </p:nvPicPr>
-        <p:blipFill rotWithShape="1">
+        <p:blipFill>
           <a:blip r:embed="rId2">
             <a:extLst>
               <a:ext uri="{28A0092B-C50C-407E-A947-70E740481C1C}">
@@ -7171,58 +7406,34 @@
               </a:ext>
             </a:extLst>
           </a:blip>
-          <a:srcRect r="68906" b="20686"/>
-          <a:stretch/>
+          <a:stretch>
+            <a:fillRect/>
+          </a:stretch>
         </p:blipFill>
         <p:spPr>
           <a:xfrm>
-            <a:off x="704850" y="812800"/>
-            <a:ext cx="5391150" cy="4241800"/>
+            <a:off x="2296727" y="609601"/>
+            <a:ext cx="7327801" cy="5638800"/>
           </a:xfrm>
           <a:prstGeom prst="rect">
             <a:avLst/>
           </a:prstGeom>
-        </p:spPr>
-      </p:pic>
-      <p:pic>
-        <p:nvPicPr>
-          <p:cNvPr id="10" name="Picture 9" descr="Diagram, engineering drawing&#10;&#10;Description automatically generated">
-            <a:extLst>
-              <a:ext uri="{FF2B5EF4-FFF2-40B4-BE49-F238E27FC236}">
-                <a16:creationId xmlns:a16="http://schemas.microsoft.com/office/drawing/2014/main" id="{9D06AEFD-537D-420D-A3BC-A3C2329D2336}"/>
-              </a:ext>
-            </a:extLst>
-          </p:cNvPr>
-          <p:cNvPicPr>
-            <a:picLocks noChangeAspect="1"/>
-          </p:cNvPicPr>
-          <p:nvPr/>
-        </p:nvPicPr>
-        <p:blipFill rotWithShape="1">
-          <a:blip r:embed="rId3">
-            <a:extLst>
-              <a:ext uri="{28A0092B-C50C-407E-A947-70E740481C1C}">
-                <a14:useLocalDpi xmlns:a14="http://schemas.microsoft.com/office/drawing/2010/main" val="0"/>
-              </a:ext>
-            </a:extLst>
-          </a:blip>
-          <a:srcRect l="-5781" t="-689" r="72969" b="689"/>
-          <a:stretch/>
-        </p:blipFill>
-        <p:spPr>
-          <a:xfrm>
-            <a:off x="5619750" y="637158"/>
-            <a:ext cx="4457700" cy="5583683"/>
-          </a:xfrm>
-          <a:prstGeom prst="rect">
-            <a:avLst/>
-          </a:prstGeom>
+          <a:ln>
+            <a:noFill/>
+          </a:ln>
+          <a:effectLst>
+            <a:outerShdw blurRad="292100" dist="139700" dir="2700000" algn="tl" rotWithShape="0">
+              <a:srgbClr val="333333">
+                <a:alpha val="65000"/>
+              </a:srgbClr>
+            </a:outerShdw>
+          </a:effectLst>
         </p:spPr>
       </p:pic>
     </p:spTree>
     <p:extLst>
       <p:ext uri="{BB962C8B-B14F-4D97-AF65-F5344CB8AC3E}">
-        <p14:creationId xmlns:p14="http://schemas.microsoft.com/office/powerpoint/2010/main" val="3012736107"/>
+        <p14:creationId xmlns:p14="http://schemas.microsoft.com/office/powerpoint/2010/main" val="488133673"/>
       </p:ext>
     </p:extLst>
   </p:cSld>
@@ -7268,7 +7479,7 @@
         <p:spPr>
           <a:xfrm>
             <a:off x="0" y="1"/>
-            <a:ext cx="10515600" cy="511039"/>
+            <a:ext cx="10515600" cy="505326"/>
           </a:xfrm>
         </p:spPr>
         <p:txBody>
@@ -7280,7 +7491,7 @@
             <a:pPr algn="l"/>
             <a:r>
               <a:rPr lang="en-US" dirty="0"/>
-              <a:t>Wall Cabinet Layout</a:t>
+              <a:t>Layers and Toolpaths</a:t>
             </a:r>
           </a:p>
         </p:txBody>
@@ -7345,10 +7556,10 @@
       </p:sp>
       <p:pic>
         <p:nvPicPr>
-          <p:cNvPr id="6" name="Picture 5" descr="Diagram&#10;&#10;Description automatically generated with low confidence">
+          <p:cNvPr id="7" name="Picture 6" descr="Diagram, engineering drawing&#10;&#10;Description automatically generated">
             <a:extLst>
               <a:ext uri="{FF2B5EF4-FFF2-40B4-BE49-F238E27FC236}">
-                <a16:creationId xmlns:a16="http://schemas.microsoft.com/office/drawing/2014/main" id="{E9ECB54F-B322-4AC9-A83E-1C13753320F4}"/>
+                <a16:creationId xmlns:a16="http://schemas.microsoft.com/office/drawing/2014/main" id="{EBE04B8C-F08B-4041-A05E-6D1748B469CA}"/>
               </a:ext>
             </a:extLst>
           </p:cNvPr>
@@ -7357,7 +7568,7 @@
           </p:cNvPicPr>
           <p:nvPr/>
         </p:nvPicPr>
-        <p:blipFill>
+        <p:blipFill rotWithShape="1">
           <a:blip r:embed="rId2">
             <a:extLst>
               <a:ext uri="{28A0092B-C50C-407E-A947-70E740481C1C}">
@@ -7365,34 +7576,58 @@
               </a:ext>
             </a:extLst>
           </a:blip>
-          <a:stretch>
-            <a:fillRect/>
-          </a:stretch>
+          <a:srcRect r="68906" b="20686"/>
+          <a:stretch/>
         </p:blipFill>
         <p:spPr>
           <a:xfrm>
-            <a:off x="647700" y="1419880"/>
-            <a:ext cx="10896599" cy="3926190"/>
+            <a:off x="704850" y="812800"/>
+            <a:ext cx="5391150" cy="4241800"/>
           </a:xfrm>
           <a:prstGeom prst="rect">
             <a:avLst/>
           </a:prstGeom>
-          <a:ln>
-            <a:noFill/>
-          </a:ln>
-          <a:effectLst>
-            <a:outerShdw blurRad="292100" dist="139700" dir="2700000" algn="tl" rotWithShape="0">
-              <a:srgbClr val="333333">
-                <a:alpha val="65000"/>
-              </a:srgbClr>
-            </a:outerShdw>
-          </a:effectLst>
+        </p:spPr>
+      </p:pic>
+      <p:pic>
+        <p:nvPicPr>
+          <p:cNvPr id="10" name="Picture 9" descr="Diagram, engineering drawing&#10;&#10;Description automatically generated">
+            <a:extLst>
+              <a:ext uri="{FF2B5EF4-FFF2-40B4-BE49-F238E27FC236}">
+                <a16:creationId xmlns:a16="http://schemas.microsoft.com/office/drawing/2014/main" id="{9D06AEFD-537D-420D-A3BC-A3C2329D2336}"/>
+              </a:ext>
+            </a:extLst>
+          </p:cNvPr>
+          <p:cNvPicPr>
+            <a:picLocks noChangeAspect="1"/>
+          </p:cNvPicPr>
+          <p:nvPr/>
+        </p:nvPicPr>
+        <p:blipFill rotWithShape="1">
+          <a:blip r:embed="rId3">
+            <a:extLst>
+              <a:ext uri="{28A0092B-C50C-407E-A947-70E740481C1C}">
+                <a14:useLocalDpi xmlns:a14="http://schemas.microsoft.com/office/drawing/2010/main" val="0"/>
+              </a:ext>
+            </a:extLst>
+          </a:blip>
+          <a:srcRect l="-5781" t="-689" r="72969" b="689"/>
+          <a:stretch/>
+        </p:blipFill>
+        <p:spPr>
+          <a:xfrm>
+            <a:off x="5619750" y="637158"/>
+            <a:ext cx="4457700" cy="5583683"/>
+          </a:xfrm>
+          <a:prstGeom prst="rect">
+            <a:avLst/>
+          </a:prstGeom>
         </p:spPr>
       </p:pic>
     </p:spTree>
     <p:extLst>
       <p:ext uri="{BB962C8B-B14F-4D97-AF65-F5344CB8AC3E}">
-        <p14:creationId xmlns:p14="http://schemas.microsoft.com/office/powerpoint/2010/main" val="3473359393"/>
+        <p14:creationId xmlns:p14="http://schemas.microsoft.com/office/powerpoint/2010/main" val="3012736107"/>
       </p:ext>
     </p:extLst>
   </p:cSld>
@@ -7450,7 +7685,7 @@
             <a:pPr algn="l"/>
             <a:r>
               <a:rPr lang="en-US" dirty="0"/>
-              <a:t>Base Cabinet Layout</a:t>
+              <a:t>Wall Cabinet Layout</a:t>
             </a:r>
           </a:p>
         </p:txBody>
@@ -7515,10 +7750,10 @@
       </p:sp>
       <p:pic>
         <p:nvPicPr>
-          <p:cNvPr id="6" name="Picture 5" descr="Diagram, engineering drawing&#10;&#10;Description automatically generated">
+          <p:cNvPr id="6" name="Picture 5" descr="Diagram&#10;&#10;Description automatically generated with low confidence">
             <a:extLst>
               <a:ext uri="{FF2B5EF4-FFF2-40B4-BE49-F238E27FC236}">
-                <a16:creationId xmlns:a16="http://schemas.microsoft.com/office/drawing/2014/main" id="{CD0FACCC-33C3-4904-BE62-1BB6AED019D8}"/>
+                <a16:creationId xmlns:a16="http://schemas.microsoft.com/office/drawing/2014/main" id="{E9ECB54F-B322-4AC9-A83E-1C13753320F4}"/>
               </a:ext>
             </a:extLst>
           </p:cNvPr>
@@ -7541,8 +7776,8 @@
         </p:blipFill>
         <p:spPr>
           <a:xfrm>
-            <a:off x="363415" y="1130558"/>
-            <a:ext cx="11465169" cy="4596884"/>
+            <a:off x="647700" y="1419880"/>
+            <a:ext cx="10896599" cy="3926190"/>
           </a:xfrm>
           <a:prstGeom prst="rect">
             <a:avLst/>
@@ -7562,7 +7797,7 @@
     </p:spTree>
     <p:extLst>
       <p:ext uri="{BB962C8B-B14F-4D97-AF65-F5344CB8AC3E}">
-        <p14:creationId xmlns:p14="http://schemas.microsoft.com/office/powerpoint/2010/main" val="672255064"/>
+        <p14:creationId xmlns:p14="http://schemas.microsoft.com/office/powerpoint/2010/main" val="3473359393"/>
       </p:ext>
     </p:extLst>
   </p:cSld>
@@ -7620,7 +7855,7 @@
             <a:pPr algn="l"/>
             <a:r>
               <a:rPr lang="en-US" dirty="0"/>
-              <a:t>Part and Milling Notation</a:t>
+              <a:t>Base Cabinet Layout</a:t>
             </a:r>
           </a:p>
         </p:txBody>
@@ -7685,10 +7920,10 @@
       </p:sp>
       <p:pic>
         <p:nvPicPr>
-          <p:cNvPr id="7" name="Picture 6">
+          <p:cNvPr id="6" name="Picture 5" descr="Diagram, engineering drawing&#10;&#10;Description automatically generated">
             <a:extLst>
               <a:ext uri="{FF2B5EF4-FFF2-40B4-BE49-F238E27FC236}">
-                <a16:creationId xmlns:a16="http://schemas.microsoft.com/office/drawing/2014/main" id="{F4E2D9EF-3685-4681-B10E-A210C7224BEC}"/>
+                <a16:creationId xmlns:a16="http://schemas.microsoft.com/office/drawing/2014/main" id="{CD0FACCC-33C3-4904-BE62-1BB6AED019D8}"/>
               </a:ext>
             </a:extLst>
           </p:cNvPr>
@@ -7698,15 +7933,21 @@
           <p:nvPr/>
         </p:nvPicPr>
         <p:blipFill>
-          <a:blip r:embed="rId2"/>
+          <a:blip r:embed="rId2">
+            <a:extLst>
+              <a:ext uri="{28A0092B-C50C-407E-A947-70E740481C1C}">
+                <a14:useLocalDpi xmlns:a14="http://schemas.microsoft.com/office/drawing/2010/main" val="0"/>
+              </a:ext>
+            </a:extLst>
+          </a:blip>
           <a:stretch>
             <a:fillRect/>
           </a:stretch>
         </p:blipFill>
         <p:spPr>
           <a:xfrm>
-            <a:off x="1529417" y="809552"/>
-            <a:ext cx="9506379" cy="4226451"/>
+            <a:off x="363415" y="1130558"/>
+            <a:ext cx="11465169" cy="4596884"/>
           </a:xfrm>
           <a:prstGeom prst="rect">
             <a:avLst/>
@@ -7723,119 +7964,10 @@
           </a:effectLst>
         </p:spPr>
       </p:pic>
-      <p:sp>
-        <p:nvSpPr>
-          <p:cNvPr id="8" name="Speech Bubble: Rectangle 7">
-            <a:extLst>
-              <a:ext uri="{FF2B5EF4-FFF2-40B4-BE49-F238E27FC236}">
-                <a16:creationId xmlns:a16="http://schemas.microsoft.com/office/drawing/2014/main" id="{4E84FF06-3761-4B08-B356-28846A052286}"/>
-              </a:ext>
-            </a:extLst>
-          </p:cNvPr>
-          <p:cNvSpPr/>
-          <p:nvPr/>
-        </p:nvSpPr>
-        <p:spPr>
-          <a:xfrm>
-            <a:off x="4695437" y="2233635"/>
-            <a:ext cx="2731730" cy="901452"/>
-          </a:xfrm>
-          <a:prstGeom prst="wedgeRectCallout">
-            <a:avLst>
-              <a:gd name="adj1" fmla="val -41807"/>
-              <a:gd name="adj2" fmla="val 181450"/>
-            </a:avLst>
-          </a:prstGeom>
-        </p:spPr>
-        <p:style>
-          <a:lnRef idx="2">
-            <a:schemeClr val="accent1">
-              <a:shade val="50000"/>
-            </a:schemeClr>
-          </a:lnRef>
-          <a:fillRef idx="1">
-            <a:schemeClr val="accent1"/>
-          </a:fillRef>
-          <a:effectRef idx="0">
-            <a:schemeClr val="accent1"/>
-          </a:effectRef>
-          <a:fontRef idx="minor">
-            <a:schemeClr val="lt1"/>
-          </a:fontRef>
-        </p:style>
-        <p:txBody>
-          <a:bodyPr rtlCol="0" anchor="ctr"/>
-          <a:lstStyle/>
-          <a:p>
-            <a:r>
-              <a:rPr lang="en-US" sz="1600" b="1" dirty="0"/>
-              <a:t>Each Part is labeled with</a:t>
-            </a:r>
-          </a:p>
-          <a:p>
-            <a:r>
-              <a:rPr lang="en-US" sz="1600" b="1" dirty="0"/>
-              <a:t>Where it is used, Thickness, Length, and Width</a:t>
-            </a:r>
-            <a:endParaRPr lang="en-US" sz="1600" dirty="0"/>
-          </a:p>
-        </p:txBody>
-      </p:sp>
-      <p:sp>
-        <p:nvSpPr>
-          <p:cNvPr id="9" name="Speech Bubble: Rectangle 8">
-            <a:extLst>
-              <a:ext uri="{FF2B5EF4-FFF2-40B4-BE49-F238E27FC236}">
-                <a16:creationId xmlns:a16="http://schemas.microsoft.com/office/drawing/2014/main" id="{E45CB9F9-56D0-4C9D-9B72-B9AE6279B947}"/>
-              </a:ext>
-            </a:extLst>
-          </p:cNvPr>
-          <p:cNvSpPr/>
-          <p:nvPr/>
-        </p:nvSpPr>
-        <p:spPr>
-          <a:xfrm>
-            <a:off x="4605241" y="5012676"/>
-            <a:ext cx="2731730" cy="901452"/>
-          </a:xfrm>
-          <a:prstGeom prst="wedgeRectCallout">
-            <a:avLst>
-              <a:gd name="adj1" fmla="val 70909"/>
-              <a:gd name="adj2" fmla="val -99052"/>
-            </a:avLst>
-          </a:prstGeom>
-        </p:spPr>
-        <p:style>
-          <a:lnRef idx="2">
-            <a:schemeClr val="accent1">
-              <a:shade val="50000"/>
-            </a:schemeClr>
-          </a:lnRef>
-          <a:fillRef idx="1">
-            <a:schemeClr val="accent1"/>
-          </a:fillRef>
-          <a:effectRef idx="0">
-            <a:schemeClr val="accent1"/>
-          </a:effectRef>
-          <a:fontRef idx="minor">
-            <a:schemeClr val="lt1"/>
-          </a:fontRef>
-        </p:style>
-        <p:txBody>
-          <a:bodyPr rtlCol="0" anchor="ctr"/>
-          <a:lstStyle/>
-          <a:p>
-            <a:r>
-              <a:rPr lang="en-US" sz="1600" b="1" dirty="0"/>
-              <a:t>Each Milling operation is labeled with  Type, Width and Height</a:t>
-            </a:r>
-          </a:p>
-        </p:txBody>
-      </p:sp>
     </p:spTree>
     <p:extLst>
       <p:ext uri="{BB962C8B-B14F-4D97-AF65-F5344CB8AC3E}">
-        <p14:creationId xmlns:p14="http://schemas.microsoft.com/office/powerpoint/2010/main" val="433776161"/>
+        <p14:creationId xmlns:p14="http://schemas.microsoft.com/office/powerpoint/2010/main" val="672255064"/>
       </p:ext>
     </p:extLst>
   </p:cSld>
@@ -7893,7 +8025,7 @@
             <a:pPr algn="l"/>
             <a:r>
               <a:rPr lang="en-US" dirty="0"/>
-              <a:t>Bill of Material Files </a:t>
+              <a:t>Part and Milling Notation</a:t>
             </a:r>
           </a:p>
         </p:txBody>
@@ -7961,7 +8093,7 @@
           <p:cNvPr id="7" name="Picture 6">
             <a:extLst>
               <a:ext uri="{FF2B5EF4-FFF2-40B4-BE49-F238E27FC236}">
-                <a16:creationId xmlns:a16="http://schemas.microsoft.com/office/drawing/2014/main" id="{1CF405F1-E212-452D-9D1A-76BCAAC16468}"/>
+                <a16:creationId xmlns:a16="http://schemas.microsoft.com/office/drawing/2014/main" id="{F4E2D9EF-3685-4681-B10E-A210C7224BEC}"/>
               </a:ext>
             </a:extLst>
           </p:cNvPr>
@@ -7978,8 +8110,8 @@
         </p:blipFill>
         <p:spPr>
           <a:xfrm>
-            <a:off x="966183" y="1838325"/>
-            <a:ext cx="10259634" cy="2820476"/>
+            <a:off x="1529417" y="809552"/>
+            <a:ext cx="9506379" cy="4226451"/>
           </a:xfrm>
           <a:prstGeom prst="rect">
             <a:avLst/>
@@ -7996,10 +8128,119 @@
           </a:effectLst>
         </p:spPr>
       </p:pic>
+      <p:sp>
+        <p:nvSpPr>
+          <p:cNvPr id="8" name="Speech Bubble: Rectangle 7">
+            <a:extLst>
+              <a:ext uri="{FF2B5EF4-FFF2-40B4-BE49-F238E27FC236}">
+                <a16:creationId xmlns:a16="http://schemas.microsoft.com/office/drawing/2014/main" id="{4E84FF06-3761-4B08-B356-28846A052286}"/>
+              </a:ext>
+            </a:extLst>
+          </p:cNvPr>
+          <p:cNvSpPr/>
+          <p:nvPr/>
+        </p:nvSpPr>
+        <p:spPr>
+          <a:xfrm>
+            <a:off x="4695437" y="2233635"/>
+            <a:ext cx="2731730" cy="901452"/>
+          </a:xfrm>
+          <a:prstGeom prst="wedgeRectCallout">
+            <a:avLst>
+              <a:gd name="adj1" fmla="val -41807"/>
+              <a:gd name="adj2" fmla="val 181450"/>
+            </a:avLst>
+          </a:prstGeom>
+        </p:spPr>
+        <p:style>
+          <a:lnRef idx="2">
+            <a:schemeClr val="accent1">
+              <a:shade val="50000"/>
+            </a:schemeClr>
+          </a:lnRef>
+          <a:fillRef idx="1">
+            <a:schemeClr val="accent1"/>
+          </a:fillRef>
+          <a:effectRef idx="0">
+            <a:schemeClr val="accent1"/>
+          </a:effectRef>
+          <a:fontRef idx="minor">
+            <a:schemeClr val="lt1"/>
+          </a:fontRef>
+        </p:style>
+        <p:txBody>
+          <a:bodyPr rtlCol="0" anchor="ctr"/>
+          <a:lstStyle/>
+          <a:p>
+            <a:r>
+              <a:rPr lang="en-US" sz="1600" b="1" dirty="0"/>
+              <a:t>Each Part is labeled with</a:t>
+            </a:r>
+          </a:p>
+          <a:p>
+            <a:r>
+              <a:rPr lang="en-US" sz="1600" b="1" dirty="0"/>
+              <a:t>Where it is used, Thickness, Length, and Width</a:t>
+            </a:r>
+            <a:endParaRPr lang="en-US" sz="1600" dirty="0"/>
+          </a:p>
+        </p:txBody>
+      </p:sp>
+      <p:sp>
+        <p:nvSpPr>
+          <p:cNvPr id="9" name="Speech Bubble: Rectangle 8">
+            <a:extLst>
+              <a:ext uri="{FF2B5EF4-FFF2-40B4-BE49-F238E27FC236}">
+                <a16:creationId xmlns:a16="http://schemas.microsoft.com/office/drawing/2014/main" id="{E45CB9F9-56D0-4C9D-9B72-B9AE6279B947}"/>
+              </a:ext>
+            </a:extLst>
+          </p:cNvPr>
+          <p:cNvSpPr/>
+          <p:nvPr/>
+        </p:nvSpPr>
+        <p:spPr>
+          <a:xfrm>
+            <a:off x="4605241" y="5012676"/>
+            <a:ext cx="2731730" cy="901452"/>
+          </a:xfrm>
+          <a:prstGeom prst="wedgeRectCallout">
+            <a:avLst>
+              <a:gd name="adj1" fmla="val 70909"/>
+              <a:gd name="adj2" fmla="val -99052"/>
+            </a:avLst>
+          </a:prstGeom>
+        </p:spPr>
+        <p:style>
+          <a:lnRef idx="2">
+            <a:schemeClr val="accent1">
+              <a:shade val="50000"/>
+            </a:schemeClr>
+          </a:lnRef>
+          <a:fillRef idx="1">
+            <a:schemeClr val="accent1"/>
+          </a:fillRef>
+          <a:effectRef idx="0">
+            <a:schemeClr val="accent1"/>
+          </a:effectRef>
+          <a:fontRef idx="minor">
+            <a:schemeClr val="lt1"/>
+          </a:fontRef>
+        </p:style>
+        <p:txBody>
+          <a:bodyPr rtlCol="0" anchor="ctr"/>
+          <a:lstStyle/>
+          <a:p>
+            <a:r>
+              <a:rPr lang="en-US" sz="1600" b="1" dirty="0"/>
+              <a:t>Each Milling operation is labeled with  Type, Width and Height</a:t>
+            </a:r>
+          </a:p>
+        </p:txBody>
+      </p:sp>
     </p:spTree>
     <p:extLst>
       <p:ext uri="{BB962C8B-B14F-4D97-AF65-F5344CB8AC3E}">
-        <p14:creationId xmlns:p14="http://schemas.microsoft.com/office/powerpoint/2010/main" val="3405368153"/>
+        <p14:creationId xmlns:p14="http://schemas.microsoft.com/office/powerpoint/2010/main" val="433776161"/>
       </p:ext>
     </p:extLst>
   </p:cSld>
@@ -8057,7 +8298,7 @@
             <a:pPr algn="l"/>
             <a:r>
               <a:rPr lang="en-US" dirty="0"/>
-              <a:t>Edit CSV file in Excel or Text editor</a:t>
+              <a:t>Bill of Material Files </a:t>
             </a:r>
           </a:p>
         </p:txBody>
@@ -8115,6 +8356,170 @@
             <a:fld id="{7C986B70-C399-481B-8E1B-1D91C2195225}" type="slidenum">
               <a:rPr lang="en-US" smtClean="0"/>
               <a:t>17</a:t>
+            </a:fld>
+            <a:endParaRPr lang="en-US"/>
+          </a:p>
+        </p:txBody>
+      </p:sp>
+      <p:pic>
+        <p:nvPicPr>
+          <p:cNvPr id="7" name="Picture 6">
+            <a:extLst>
+              <a:ext uri="{FF2B5EF4-FFF2-40B4-BE49-F238E27FC236}">
+                <a16:creationId xmlns:a16="http://schemas.microsoft.com/office/drawing/2014/main" id="{1CF405F1-E212-452D-9D1A-76BCAAC16468}"/>
+              </a:ext>
+            </a:extLst>
+          </p:cNvPr>
+          <p:cNvPicPr>
+            <a:picLocks noChangeAspect="1"/>
+          </p:cNvPicPr>
+          <p:nvPr/>
+        </p:nvPicPr>
+        <p:blipFill>
+          <a:blip r:embed="rId2"/>
+          <a:stretch>
+            <a:fillRect/>
+          </a:stretch>
+        </p:blipFill>
+        <p:spPr>
+          <a:xfrm>
+            <a:off x="966183" y="1838325"/>
+            <a:ext cx="10259634" cy="2820476"/>
+          </a:xfrm>
+          <a:prstGeom prst="rect">
+            <a:avLst/>
+          </a:prstGeom>
+          <a:ln>
+            <a:noFill/>
+          </a:ln>
+          <a:effectLst>
+            <a:outerShdw blurRad="292100" dist="139700" dir="2700000" algn="tl" rotWithShape="0">
+              <a:srgbClr val="333333">
+                <a:alpha val="65000"/>
+              </a:srgbClr>
+            </a:outerShdw>
+          </a:effectLst>
+        </p:spPr>
+      </p:pic>
+    </p:spTree>
+    <p:extLst>
+      <p:ext uri="{BB962C8B-B14F-4D97-AF65-F5344CB8AC3E}">
+        <p14:creationId xmlns:p14="http://schemas.microsoft.com/office/powerpoint/2010/main" val="3405368153"/>
+      </p:ext>
+    </p:extLst>
+  </p:cSld>
+  <p:clrMapOvr>
+    <a:masterClrMapping/>
+  </p:clrMapOvr>
+</p:sld>
+</file>
+
+<file path=ppt/slides/slide18.xml><?xml version="1.0" encoding="utf-8"?>
+<p:sld xmlns:a="http://schemas.openxmlformats.org/drawingml/2006/main" xmlns:r="http://schemas.openxmlformats.org/officeDocument/2006/relationships" xmlns:p="http://schemas.openxmlformats.org/presentationml/2006/main">
+  <p:cSld>
+    <p:spTree>
+      <p:nvGrpSpPr>
+        <p:cNvPr id="1" name=""/>
+        <p:cNvGrpSpPr/>
+        <p:nvPr/>
+      </p:nvGrpSpPr>
+      <p:grpSpPr>
+        <a:xfrm>
+          <a:off x="0" y="0"/>
+          <a:ext cx="0" cy="0"/>
+          <a:chOff x="0" y="0"/>
+          <a:chExt cx="0" cy="0"/>
+        </a:xfrm>
+      </p:grpSpPr>
+      <p:sp>
+        <p:nvSpPr>
+          <p:cNvPr id="2" name="Title 1">
+            <a:extLst>
+              <a:ext uri="{FF2B5EF4-FFF2-40B4-BE49-F238E27FC236}">
+                <a16:creationId xmlns:a16="http://schemas.microsoft.com/office/drawing/2014/main" id="{8D588E9A-A15F-4D3C-A765-1DEFCD9AFDB1}"/>
+              </a:ext>
+            </a:extLst>
+          </p:cNvPr>
+          <p:cNvSpPr>
+            <a:spLocks noGrp="1"/>
+          </p:cNvSpPr>
+          <p:nvPr>
+            <p:ph type="title"/>
+          </p:nvPr>
+        </p:nvSpPr>
+        <p:spPr>
+          <a:xfrm>
+            <a:off x="0" y="1"/>
+            <a:ext cx="10515600" cy="511039"/>
+          </a:xfrm>
+        </p:spPr>
+        <p:txBody>
+          <a:bodyPr>
+            <a:normAutofit fontScale="90000"/>
+          </a:bodyPr>
+          <a:lstStyle/>
+          <a:p>
+            <a:pPr algn="l"/>
+            <a:r>
+              <a:rPr lang="en-US" dirty="0"/>
+              <a:t>Edit CSV file in Excel or Text editor</a:t>
+            </a:r>
+          </a:p>
+        </p:txBody>
+      </p:sp>
+      <p:sp>
+        <p:nvSpPr>
+          <p:cNvPr id="4" name="Footer Placeholder 3">
+            <a:extLst>
+              <a:ext uri="{FF2B5EF4-FFF2-40B4-BE49-F238E27FC236}">
+                <a16:creationId xmlns:a16="http://schemas.microsoft.com/office/drawing/2014/main" id="{872E140C-9B3D-4B52-9AB6-68148DD4C9C2}"/>
+              </a:ext>
+            </a:extLst>
+          </p:cNvPr>
+          <p:cNvSpPr>
+            <a:spLocks noGrp="1"/>
+          </p:cNvSpPr>
+          <p:nvPr>
+            <p:ph type="ftr" sz="quarter" idx="11"/>
+          </p:nvPr>
+        </p:nvSpPr>
+        <p:spPr/>
+        <p:txBody>
+          <a:bodyPr/>
+          <a:lstStyle/>
+          <a:p>
+            <a:r>
+              <a:rPr lang="en-US"/>
+              <a:t>Easy Cabinet Maker</a:t>
+            </a:r>
+            <a:endParaRPr lang="en-US" dirty="0"/>
+          </a:p>
+        </p:txBody>
+      </p:sp>
+      <p:sp>
+        <p:nvSpPr>
+          <p:cNvPr id="5" name="Slide Number Placeholder 4">
+            <a:extLst>
+              <a:ext uri="{FF2B5EF4-FFF2-40B4-BE49-F238E27FC236}">
+                <a16:creationId xmlns:a16="http://schemas.microsoft.com/office/drawing/2014/main" id="{44BC5CD6-ED68-416F-8458-7D6DC6F6BAD6}"/>
+              </a:ext>
+            </a:extLst>
+          </p:cNvPr>
+          <p:cNvSpPr>
+            <a:spLocks noGrp="1"/>
+          </p:cNvSpPr>
+          <p:nvPr>
+            <p:ph type="sldNum" sz="quarter" idx="12"/>
+          </p:nvPr>
+        </p:nvSpPr>
+        <p:spPr/>
+        <p:txBody>
+          <a:bodyPr/>
+          <a:lstStyle/>
+          <a:p>
+            <a:fld id="{7C986B70-C399-481B-8E1B-1D91C2195225}" type="slidenum">
+              <a:rPr lang="en-US" smtClean="0"/>
+              <a:t>18</a:t>
             </a:fld>
             <a:endParaRPr lang="en-US"/>
           </a:p>
@@ -8340,10 +8745,10 @@
       </p:grpSpPr>
       <p:pic>
         <p:nvPicPr>
-          <p:cNvPr id="6" name="Picture 5" descr="Graphical user interface&#10;&#10;Description automatically generated">
+          <p:cNvPr id="3" name="Picture 2" descr="Graphical user interface&#10;&#10;Description automatically generated">
             <a:extLst>
               <a:ext uri="{FF2B5EF4-FFF2-40B4-BE49-F238E27FC236}">
-                <a16:creationId xmlns:a16="http://schemas.microsoft.com/office/drawing/2014/main" id="{4F5C9153-E6E3-4418-90CE-361524DC5196}"/>
+                <a16:creationId xmlns:a16="http://schemas.microsoft.com/office/drawing/2014/main" id="{6D29226D-18C0-421B-9B4C-E35BEF54AA0C}"/>
               </a:ext>
             </a:extLst>
           </p:cNvPr>
@@ -8366,8 +8771,8 @@
         </p:blipFill>
         <p:spPr>
           <a:xfrm>
-            <a:off x="3402476" y="992721"/>
-            <a:ext cx="4629796" cy="4601217"/>
+            <a:off x="3408163" y="855763"/>
+            <a:ext cx="4908802" cy="4597636"/>
           </a:xfrm>
           <a:prstGeom prst="rect">
             <a:avLst/>
@@ -8543,7 +8948,7 @@
         </p:nvSpPr>
         <p:spPr>
           <a:xfrm>
-            <a:off x="8972436" y="1132662"/>
+            <a:off x="8972436" y="904158"/>
             <a:ext cx="1676400" cy="327121"/>
           </a:xfrm>
           <a:prstGeom prst="wedgeRectCallout">
@@ -8889,6 +9294,58 @@
             <a:r>
               <a:rPr lang="en-US" dirty="0"/>
               <a:t>Select the Cabinet to be drawn</a:t>
+            </a:r>
+          </a:p>
+        </p:txBody>
+      </p:sp>
+      <p:sp>
+        <p:nvSpPr>
+          <p:cNvPr id="17" name="Speech Bubble: Rectangle 16">
+            <a:extLst>
+              <a:ext uri="{FF2B5EF4-FFF2-40B4-BE49-F238E27FC236}">
+                <a16:creationId xmlns:a16="http://schemas.microsoft.com/office/drawing/2014/main" id="{F4ECC74D-1A40-4296-A7CA-E2EB3DBF9284}"/>
+              </a:ext>
+            </a:extLst>
+          </p:cNvPr>
+          <p:cNvSpPr/>
+          <p:nvPr/>
+        </p:nvSpPr>
+        <p:spPr>
+          <a:xfrm>
+            <a:off x="9088588" y="1567100"/>
+            <a:ext cx="1676400" cy="638115"/>
+          </a:xfrm>
+          <a:prstGeom prst="wedgeRectCallout">
+            <a:avLst>
+              <a:gd name="adj1" fmla="val -103246"/>
+              <a:gd name="adj2" fmla="val -10393"/>
+            </a:avLst>
+          </a:prstGeom>
+        </p:spPr>
+        <p:style>
+          <a:lnRef idx="2">
+            <a:schemeClr val="accent1">
+              <a:shade val="50000"/>
+            </a:schemeClr>
+          </a:lnRef>
+          <a:fillRef idx="1">
+            <a:schemeClr val="accent1"/>
+          </a:fillRef>
+          <a:effectRef idx="0">
+            <a:schemeClr val="accent1"/>
+          </a:effectRef>
+          <a:fontRef idx="minor">
+            <a:schemeClr val="lt1"/>
+          </a:fontRef>
+        </p:style>
+        <p:txBody>
+          <a:bodyPr rtlCol="0" anchor="ctr"/>
+          <a:lstStyle/>
+          <a:p>
+            <a:pPr algn="ctr"/>
+            <a:r>
+              <a:rPr lang="en-US" dirty="0"/>
+              <a:t>Import &amp; Export Settings</a:t>
             </a:r>
           </a:p>
         </p:txBody>
